--- a/pres-source/old-etc/results of 6c.pptx
+++ b/pres-source/old-etc/results of 6c.pptx
@@ -5,9 +5,8 @@
     <p:sldMasterId id="2147483648" r:id="rId1"/>
   </p:sldMasterIdLst>
   <p:sldIdLst>
-    <p:sldId id="256" r:id="rId2"/>
-    <p:sldId id="257" r:id="rId3"/>
-    <p:sldId id="258" r:id="rId4"/>
+    <p:sldId id="257" r:id="rId2"/>
+    <p:sldId id="258" r:id="rId3"/>
   </p:sldIdLst>
   <p:sldSz cx="9144000" cy="6858000" type="screen4x3"/>
   <p:notesSz cx="6858000" cy="9144000"/>
@@ -290,7 +289,7 @@
           <a:p>
             <a:fld id="{252CF4B2-6830-174D-A532-53F5EDFC1B49}" type="datetimeFigureOut">
               <a:rPr lang="en-US" smtClean="0"/>
-              <a:t>22/09/16</a:t>
+              <a:t>27/07/18</a:t>
             </a:fld>
             <a:endParaRPr lang="en-US"/>
           </a:p>
@@ -460,7 +459,7 @@
           <a:p>
             <a:fld id="{252CF4B2-6830-174D-A532-53F5EDFC1B49}" type="datetimeFigureOut">
               <a:rPr lang="en-US" smtClean="0"/>
-              <a:t>22/09/16</a:t>
+              <a:t>27/07/18</a:t>
             </a:fld>
             <a:endParaRPr lang="en-US"/>
           </a:p>
@@ -640,7 +639,7 @@
           <a:p>
             <a:fld id="{252CF4B2-6830-174D-A532-53F5EDFC1B49}" type="datetimeFigureOut">
               <a:rPr lang="en-US" smtClean="0"/>
-              <a:t>22/09/16</a:t>
+              <a:t>27/07/18</a:t>
             </a:fld>
             <a:endParaRPr lang="en-US"/>
           </a:p>
@@ -810,7 +809,7 @@
           <a:p>
             <a:fld id="{252CF4B2-6830-174D-A532-53F5EDFC1B49}" type="datetimeFigureOut">
               <a:rPr lang="en-US" smtClean="0"/>
-              <a:t>22/09/16</a:t>
+              <a:t>27/07/18</a:t>
             </a:fld>
             <a:endParaRPr lang="en-US"/>
           </a:p>
@@ -1056,7 +1055,7 @@
           <a:p>
             <a:fld id="{252CF4B2-6830-174D-A532-53F5EDFC1B49}" type="datetimeFigureOut">
               <a:rPr lang="en-US" smtClean="0"/>
-              <a:t>22/09/16</a:t>
+              <a:t>27/07/18</a:t>
             </a:fld>
             <a:endParaRPr lang="en-US"/>
           </a:p>
@@ -1344,7 +1343,7 @@
           <a:p>
             <a:fld id="{252CF4B2-6830-174D-A532-53F5EDFC1B49}" type="datetimeFigureOut">
               <a:rPr lang="en-US" smtClean="0"/>
-              <a:t>22/09/16</a:t>
+              <a:t>27/07/18</a:t>
             </a:fld>
             <a:endParaRPr lang="en-US"/>
           </a:p>
@@ -1766,7 +1765,7 @@
           <a:p>
             <a:fld id="{252CF4B2-6830-174D-A532-53F5EDFC1B49}" type="datetimeFigureOut">
               <a:rPr lang="en-US" smtClean="0"/>
-              <a:t>22/09/16</a:t>
+              <a:t>27/07/18</a:t>
             </a:fld>
             <a:endParaRPr lang="en-US"/>
           </a:p>
@@ -1884,7 +1883,7 @@
           <a:p>
             <a:fld id="{252CF4B2-6830-174D-A532-53F5EDFC1B49}" type="datetimeFigureOut">
               <a:rPr lang="en-US" smtClean="0"/>
-              <a:t>22/09/16</a:t>
+              <a:t>27/07/18</a:t>
             </a:fld>
             <a:endParaRPr lang="en-US"/>
           </a:p>
@@ -1979,7 +1978,7 @@
           <a:p>
             <a:fld id="{252CF4B2-6830-174D-A532-53F5EDFC1B49}" type="datetimeFigureOut">
               <a:rPr lang="en-US" smtClean="0"/>
-              <a:t>22/09/16</a:t>
+              <a:t>27/07/18</a:t>
             </a:fld>
             <a:endParaRPr lang="en-US"/>
           </a:p>
@@ -2256,7 +2255,7 @@
           <a:p>
             <a:fld id="{252CF4B2-6830-174D-A532-53F5EDFC1B49}" type="datetimeFigureOut">
               <a:rPr lang="en-US" smtClean="0"/>
-              <a:t>22/09/16</a:t>
+              <a:t>27/07/18</a:t>
             </a:fld>
             <a:endParaRPr lang="en-US"/>
           </a:p>
@@ -2509,7 +2508,7 @@
           <a:p>
             <a:fld id="{252CF4B2-6830-174D-A532-53F5EDFC1B49}" type="datetimeFigureOut">
               <a:rPr lang="en-US" smtClean="0"/>
-              <a:t>22/09/16</a:t>
+              <a:t>27/07/18</a:t>
             </a:fld>
             <a:endParaRPr lang="en-US"/>
           </a:p>
@@ -2722,7 +2721,7 @@
           <a:p>
             <a:fld id="{252CF4B2-6830-174D-A532-53F5EDFC1B49}" type="datetimeFigureOut">
               <a:rPr lang="en-US" smtClean="0"/>
-              <a:t>22/09/16</a:t>
+              <a:t>27/07/18</a:t>
             </a:fld>
             <a:endParaRPr lang="en-US"/>
           </a:p>
@@ -3104,74 +3103,6 @@
             <a:spLocks noGrp="1"/>
           </p:cNvSpPr>
           <p:nvPr>
-            <p:ph type="ctrTitle"/>
-          </p:nvPr>
-        </p:nvSpPr>
-        <p:spPr/>
-        <p:txBody>
-          <a:bodyPr/>
-          <a:lstStyle/>
-          <a:p>
-            <a:endParaRPr lang="en-US"/>
-          </a:p>
-        </p:txBody>
-      </p:sp>
-      <p:sp>
-        <p:nvSpPr>
-          <p:cNvPr id="3" name="Subtitle 2"/>
-          <p:cNvSpPr>
-            <a:spLocks noGrp="1"/>
-          </p:cNvSpPr>
-          <p:nvPr>
-            <p:ph type="subTitle" idx="1"/>
-          </p:nvPr>
-        </p:nvSpPr>
-        <p:spPr/>
-        <p:txBody>
-          <a:bodyPr/>
-          <a:lstStyle/>
-          <a:p>
-            <a:endParaRPr lang="en-US"/>
-          </a:p>
-        </p:txBody>
-      </p:sp>
-    </p:spTree>
-    <p:extLst>
-      <p:ext uri="{BB962C8B-B14F-4D97-AF65-F5344CB8AC3E}">
-        <p14:creationId xmlns:p14="http://schemas.microsoft.com/office/powerpoint/2010/main" val="475861047"/>
-      </p:ext>
-    </p:extLst>
-  </p:cSld>
-  <p:clrMapOvr>
-    <a:masterClrMapping/>
-  </p:clrMapOvr>
-</p:sld>
-</file>
-
-<file path=ppt/slides/slide2.xml><?xml version="1.0" encoding="utf-8"?>
-<p:sld xmlns:a="http://schemas.openxmlformats.org/drawingml/2006/main" xmlns:r="http://schemas.openxmlformats.org/officeDocument/2006/relationships" xmlns:p="http://schemas.openxmlformats.org/presentationml/2006/main">
-  <p:cSld>
-    <p:spTree>
-      <p:nvGrpSpPr>
-        <p:cNvPr id="1" name=""/>
-        <p:cNvGrpSpPr/>
-        <p:nvPr/>
-      </p:nvGrpSpPr>
-      <p:grpSpPr>
-        <a:xfrm>
-          <a:off x="0" y="0"/>
-          <a:ext cx="0" cy="0"/>
-          <a:chOff x="0" y="0"/>
-          <a:chExt cx="0" cy="0"/>
-        </a:xfrm>
-      </p:grpSpPr>
-      <p:sp>
-        <p:nvSpPr>
-          <p:cNvPr id="2" name="Title 1"/>
-          <p:cNvSpPr>
-            <a:spLocks noGrp="1"/>
-          </p:cNvSpPr>
-          <p:nvPr>
             <p:ph type="title"/>
           </p:nvPr>
         </p:nvSpPr>
@@ -3259,7 +3190,7 @@
 </p:sld>
 </file>
 
-<file path=ppt/slides/slide3.xml><?xml version="1.0" encoding="utf-8"?>
+<file path=ppt/slides/slide2.xml><?xml version="1.0" encoding="utf-8"?>
 <p:sld xmlns:a="http://schemas.openxmlformats.org/drawingml/2006/main" xmlns:r="http://schemas.openxmlformats.org/officeDocument/2006/relationships" xmlns:p="http://schemas.openxmlformats.org/presentationml/2006/main">
   <p:cSld>
     <p:spTree>
